--- a/courses/compilers/lectures/C-grammars.pptx
+++ b/courses/compilers/lectures/C-grammars.pptx
@@ -558,7 +558,7 @@
           </a:ln>
           <a:extLst>
             <a:ext uri="{909E8E84-426E-40dd-AFC4-6F175D3DCCD1}">
-              <a14:hiddenFill xmlns:a14="http://schemas.microsoft.com/office/drawing/2010/main" xmlns="">
+              <a14:hiddenFill xmlns="" xmlns:a14="http://schemas.microsoft.com/office/drawing/2010/main">
                 <a:solidFill>
                   <a:srgbClr val="FFFFFF"/>
                 </a:solidFill>
@@ -929,14 +929,14 @@
           <a:ln/>
           <a:extLst>
             <a:ext uri="{909E8E84-426E-40dd-AFC4-6F175D3DCCD1}">
-              <a14:hiddenFill xmlns:a14="http://schemas.microsoft.com/office/drawing/2010/main" xmlns="">
+              <a14:hiddenFill xmlns="" xmlns:a14="http://schemas.microsoft.com/office/drawing/2010/main">
                 <a:solidFill>
                   <a:srgbClr val="FFFFFF"/>
                 </a:solidFill>
               </a14:hiddenFill>
             </a:ext>
             <a:ext uri="{91240B29-F687-4f45-9708-019B960494DF}">
-              <a14:hiddenLine xmlns:a14="http://schemas.microsoft.com/office/drawing/2010/main" xmlns="" w="9525">
+              <a14:hiddenLine xmlns="" xmlns:a14="http://schemas.microsoft.com/office/drawing/2010/main" w="9525">
                 <a:solidFill>
                   <a:srgbClr val="000000"/>
                 </a:solidFill>
@@ -970,14 +970,14 @@
           <a:ln/>
           <a:extLst>
             <a:ext uri="{909E8E84-426E-40dd-AFC4-6F175D3DCCD1}">
-              <a14:hiddenFill xmlns:a14="http://schemas.microsoft.com/office/drawing/2010/main" xmlns="">
+              <a14:hiddenFill xmlns="" xmlns:a14="http://schemas.microsoft.com/office/drawing/2010/main">
                 <a:solidFill>
                   <a:srgbClr val="FFFFFF"/>
                 </a:solidFill>
               </a14:hiddenFill>
             </a:ext>
             <a:ext uri="{91240B29-F687-4f45-9708-019B960494DF}">
-              <a14:hiddenLine xmlns:a14="http://schemas.microsoft.com/office/drawing/2010/main" xmlns="" w="9525">
+              <a14:hiddenLine xmlns="" xmlns:a14="http://schemas.microsoft.com/office/drawing/2010/main" w="9525">
                 <a:solidFill>
                   <a:srgbClr val="000000"/>
                 </a:solidFill>
@@ -1163,14 +1163,14 @@
           <a:ln/>
           <a:extLst>
             <a:ext uri="{909E8E84-426E-40dd-AFC4-6F175D3DCCD1}">
-              <a14:hiddenFill xmlns:a14="http://schemas.microsoft.com/office/drawing/2010/main" xmlns="">
+              <a14:hiddenFill xmlns="" xmlns:a14="http://schemas.microsoft.com/office/drawing/2010/main">
                 <a:solidFill>
                   <a:srgbClr val="FFFFFF"/>
                 </a:solidFill>
               </a14:hiddenFill>
             </a:ext>
             <a:ext uri="{91240B29-F687-4f45-9708-019B960494DF}">
-              <a14:hiddenLine xmlns:a14="http://schemas.microsoft.com/office/drawing/2010/main" xmlns="" w="9525">
+              <a14:hiddenLine xmlns="" xmlns:a14="http://schemas.microsoft.com/office/drawing/2010/main" w="9525">
                 <a:solidFill>
                   <a:srgbClr val="000000"/>
                 </a:solidFill>
@@ -1345,14 +1345,14 @@
           <a:ln/>
           <a:extLst>
             <a:ext uri="{909E8E84-426E-40dd-AFC4-6F175D3DCCD1}">
-              <a14:hiddenFill xmlns:a14="http://schemas.microsoft.com/office/drawing/2010/main" xmlns="">
+              <a14:hiddenFill xmlns="" xmlns:a14="http://schemas.microsoft.com/office/drawing/2010/main">
                 <a:solidFill>
                   <a:srgbClr val="FFFFFF"/>
                 </a:solidFill>
               </a14:hiddenFill>
             </a:ext>
             <a:ext uri="{91240B29-F687-4f45-9708-019B960494DF}">
-              <a14:hiddenLine xmlns:a14="http://schemas.microsoft.com/office/drawing/2010/main" xmlns="" w="9525">
+              <a14:hiddenLine xmlns="" xmlns:a14="http://schemas.microsoft.com/office/drawing/2010/main" w="9525">
                 <a:solidFill>
                   <a:srgbClr val="000000"/>
                 </a:solidFill>
@@ -1412,14 +1412,14 @@
           <a:ln/>
           <a:extLst>
             <a:ext uri="{909E8E84-426E-40dd-AFC4-6F175D3DCCD1}">
-              <a14:hiddenFill xmlns:a14="http://schemas.microsoft.com/office/drawing/2010/main" xmlns="">
+              <a14:hiddenFill xmlns="" xmlns:a14="http://schemas.microsoft.com/office/drawing/2010/main">
                 <a:solidFill>
                   <a:srgbClr val="FFFFFF"/>
                 </a:solidFill>
               </a14:hiddenFill>
             </a:ext>
             <a:ext uri="{91240B29-F687-4f45-9708-019B960494DF}">
-              <a14:hiddenLine xmlns:a14="http://schemas.microsoft.com/office/drawing/2010/main" xmlns="" w="9525">
+              <a14:hiddenLine xmlns="" xmlns:a14="http://schemas.microsoft.com/office/drawing/2010/main" w="9525">
                 <a:solidFill>
                   <a:srgbClr val="000000"/>
                 </a:solidFill>
@@ -1603,14 +1603,14 @@
           <a:ln/>
           <a:extLst>
             <a:ext uri="{909E8E84-426E-40dd-AFC4-6F175D3DCCD1}">
-              <a14:hiddenFill xmlns:a14="http://schemas.microsoft.com/office/drawing/2010/main" xmlns="">
+              <a14:hiddenFill xmlns="" xmlns:a14="http://schemas.microsoft.com/office/drawing/2010/main">
                 <a:solidFill>
                   <a:srgbClr val="FFFFFF"/>
                 </a:solidFill>
               </a14:hiddenFill>
             </a:ext>
             <a:ext uri="{91240B29-F687-4f45-9708-019B960494DF}">
-              <a14:hiddenLine xmlns:a14="http://schemas.microsoft.com/office/drawing/2010/main" xmlns="" w="9525">
+              <a14:hiddenLine xmlns="" xmlns:a14="http://schemas.microsoft.com/office/drawing/2010/main" w="9525">
                 <a:solidFill>
                   <a:srgbClr val="000000"/>
                 </a:solidFill>
@@ -1620,7 +1620,7 @@
               </a14:hiddenLine>
             </a:ext>
             <a:ext uri="{FAA26D3D-D897-4be2-8F04-BA451C77F1D7}">
-              <ma14:placeholderFlag xmlns:ma14="http://schemas.microsoft.com/office/mac/drawingml/2011/main" xmlns="" val="1"/>
+              <ma14:placeholderFlag xmlns="" xmlns:ma14="http://schemas.microsoft.com/office/mac/drawingml/2011/main" val="1"/>
             </a:ext>
           </a:extLst>
         </p:spPr>
@@ -1673,14 +1673,14 @@
           <a:ln/>
           <a:extLst>
             <a:ext uri="{909E8E84-426E-40dd-AFC4-6F175D3DCCD1}">
-              <a14:hiddenFill xmlns:a14="http://schemas.microsoft.com/office/drawing/2010/main" xmlns="">
+              <a14:hiddenFill xmlns="" xmlns:a14="http://schemas.microsoft.com/office/drawing/2010/main">
                 <a:solidFill>
                   <a:srgbClr val="FFFFFF"/>
                 </a:solidFill>
               </a14:hiddenFill>
             </a:ext>
             <a:ext uri="{91240B29-F687-4f45-9708-019B960494DF}">
-              <a14:hiddenLine xmlns:a14="http://schemas.microsoft.com/office/drawing/2010/main" xmlns="" w="9525">
+              <a14:hiddenLine xmlns="" xmlns:a14="http://schemas.microsoft.com/office/drawing/2010/main" w="9525">
                 <a:solidFill>
                   <a:srgbClr val="000000"/>
                 </a:solidFill>
@@ -1855,14 +1855,14 @@
           <a:ln/>
           <a:extLst>
             <a:ext uri="{909E8E84-426E-40dd-AFC4-6F175D3DCCD1}">
-              <a14:hiddenFill xmlns:a14="http://schemas.microsoft.com/office/drawing/2010/main" xmlns="">
+              <a14:hiddenFill xmlns="" xmlns:a14="http://schemas.microsoft.com/office/drawing/2010/main">
                 <a:solidFill>
                   <a:srgbClr val="FFFFFF"/>
                 </a:solidFill>
               </a14:hiddenFill>
             </a:ext>
             <a:ext uri="{91240B29-F687-4f45-9708-019B960494DF}">
-              <a14:hiddenLine xmlns:a14="http://schemas.microsoft.com/office/drawing/2010/main" xmlns="" w="9525">
+              <a14:hiddenLine xmlns="" xmlns:a14="http://schemas.microsoft.com/office/drawing/2010/main" w="9525">
                 <a:solidFill>
                   <a:srgbClr val="000000"/>
                 </a:solidFill>
@@ -2077,7 +2077,7 @@
             </a:pPr>
             <a:fld id="{A6CF0DDD-F8FA-7946-87D9-EB95D65A9853}" type="datetime1">
               <a:rPr lang="en-US" smtClean="0"/>
-              <a:t>4/9/19</a:t>
+              <a:t>4/14/19</a:t>
             </a:fld>
             <a:endParaRPr lang="en-US"/>
           </a:p>
@@ -2281,7 +2281,7 @@
             </a:pPr>
             <a:fld id="{6B3C6581-2B06-5749-8C2F-772BDA5B0C87}" type="datetime1">
               <a:rPr lang="en-US" smtClean="0"/>
-              <a:t>4/9/19</a:t>
+              <a:t>4/14/19</a:t>
             </a:fld>
             <a:endParaRPr lang="en-US"/>
           </a:p>
@@ -2479,7 +2479,7 @@
             </a:pPr>
             <a:fld id="{5C543F40-C883-D64E-A463-5CD15F5A0363}" type="datetime1">
               <a:rPr lang="en-US" smtClean="0"/>
-              <a:t>4/9/19</a:t>
+              <a:t>4/14/19</a:t>
             </a:fld>
             <a:endParaRPr lang="en-US"/>
           </a:p>
@@ -2667,7 +2667,7 @@
             </a:pPr>
             <a:fld id="{A361E773-DAF2-C447-9D10-1F8546814A58}" type="datetime1">
               <a:rPr lang="en-US" smtClean="0"/>
-              <a:t>4/9/19</a:t>
+              <a:t>4/14/19</a:t>
             </a:fld>
             <a:endParaRPr lang="en-US"/>
           </a:p>
@@ -2932,7 +2932,7 @@
             </a:pPr>
             <a:fld id="{9A05D564-F070-CE43-91B7-5C751DEC68DE}" type="datetime1">
               <a:rPr lang="en-US" smtClean="0"/>
-              <a:t>4/9/19</a:t>
+              <a:t>4/14/19</a:t>
             </a:fld>
             <a:endParaRPr lang="en-US"/>
           </a:p>
@@ -3237,7 +3237,7 @@
             </a:pPr>
             <a:fld id="{1F9E95BB-A4EB-F94B-B305-A99CDF9BB3EF}" type="datetime1">
               <a:rPr lang="en-US" smtClean="0"/>
-              <a:t>4/9/19</a:t>
+              <a:t>4/14/19</a:t>
             </a:fld>
             <a:endParaRPr lang="en-US"/>
           </a:p>
@@ -3676,7 +3676,7 @@
             </a:pPr>
             <a:fld id="{CF352967-61D8-244D-908A-4E137C27758E}" type="datetime1">
               <a:rPr lang="en-US" smtClean="0"/>
-              <a:t>4/9/19</a:t>
+              <a:t>4/14/19</a:t>
             </a:fld>
             <a:endParaRPr lang="en-US"/>
           </a:p>
@@ -3813,7 +3813,7 @@
             </a:pPr>
             <a:fld id="{2EDCDE67-B86A-3840-BABF-D153214F1C3A}" type="datetime1">
               <a:rPr lang="en-US" smtClean="0"/>
-              <a:t>4/9/19</a:t>
+              <a:t>4/14/19</a:t>
             </a:fld>
             <a:endParaRPr lang="en-US"/>
           </a:p>
@@ -3928,7 +3928,7 @@
             </a:pPr>
             <a:fld id="{FCBE2BD4-FEEB-F748-A03F-500B4ED38E63}" type="datetime1">
               <a:rPr lang="en-US" smtClean="0"/>
-              <a:t>4/9/19</a:t>
+              <a:t>4/14/19</a:t>
             </a:fld>
             <a:endParaRPr lang="en-US"/>
           </a:p>
@@ -4223,7 +4223,7 @@
             </a:pPr>
             <a:fld id="{BD96F15C-0A5E-B84A-8B5A-F46D330C584B}" type="datetime1">
               <a:rPr lang="en-US" smtClean="0"/>
-              <a:t>4/9/19</a:t>
+              <a:t>4/14/19</a:t>
             </a:fld>
             <a:endParaRPr lang="en-US"/>
           </a:p>
@@ -4495,7 +4495,7 @@
             </a:pPr>
             <a:fld id="{3716D340-68F0-F54B-B415-02CFA9BEA212}" type="datetime1">
               <a:rPr lang="en-US" smtClean="0"/>
-              <a:t>4/9/19</a:t>
+              <a:t>4/14/19</a:t>
             </a:fld>
             <a:endParaRPr lang="en-US"/>
           </a:p>
@@ -4727,7 +4727,7 @@
               <a:pPr>
                 <a:defRPr/>
               </a:pPr>
-              <a:t>4/9/19</a:t>
+              <a:t>4/14/19</a:t>
             </a:fld>
             <a:endParaRPr lang="en-US" dirty="0"/>
           </a:p>
@@ -7042,14 +7042,14 @@
           <a:ln/>
           <a:extLst>
             <a:ext uri="{909E8E84-426E-40dd-AFC4-6F175D3DCCD1}">
-              <a14:hiddenFill xmlns:a14="http://schemas.microsoft.com/office/drawing/2010/main" xmlns="">
+              <a14:hiddenFill xmlns="" xmlns:a14="http://schemas.microsoft.com/office/drawing/2010/main">
                 <a:solidFill>
                   <a:srgbClr val="FFFFFF"/>
                 </a:solidFill>
               </a14:hiddenFill>
             </a:ext>
             <a:ext uri="{91240B29-F687-4f45-9708-019B960494DF}">
-              <a14:hiddenLine xmlns:a14="http://schemas.microsoft.com/office/drawing/2010/main" xmlns="" w="9525">
+              <a14:hiddenLine xmlns="" xmlns:a14="http://schemas.microsoft.com/office/drawing/2010/main" w="9525">
                 <a:solidFill>
                   <a:srgbClr val="000000"/>
                 </a:solidFill>
@@ -7208,14 +7208,14 @@
           <a:ln/>
           <a:extLst>
             <a:ext uri="{909E8E84-426E-40dd-AFC4-6F175D3DCCD1}">
-              <a14:hiddenFill xmlns:a14="http://schemas.microsoft.com/office/drawing/2010/main" xmlns="">
+              <a14:hiddenFill xmlns="" xmlns:a14="http://schemas.microsoft.com/office/drawing/2010/main">
                 <a:solidFill>
                   <a:srgbClr val="FFFFFF"/>
                 </a:solidFill>
               </a14:hiddenFill>
             </a:ext>
             <a:ext uri="{91240B29-F687-4f45-9708-019B960494DF}">
-              <a14:hiddenLine xmlns:a14="http://schemas.microsoft.com/office/drawing/2010/main" xmlns="" w="9525">
+              <a14:hiddenLine xmlns="" xmlns:a14="http://schemas.microsoft.com/office/drawing/2010/main" w="9525">
                 <a:solidFill>
                   <a:srgbClr val="000000"/>
                 </a:solidFill>
@@ -7624,14 +7624,14 @@
           <a:ln/>
           <a:extLst>
             <a:ext uri="{909E8E84-426E-40dd-AFC4-6F175D3DCCD1}">
-              <a14:hiddenFill xmlns:a14="http://schemas.microsoft.com/office/drawing/2010/main" xmlns="">
+              <a14:hiddenFill xmlns="" xmlns:a14="http://schemas.microsoft.com/office/drawing/2010/main">
                 <a:solidFill>
                   <a:srgbClr val="FFFFFF"/>
                 </a:solidFill>
               </a14:hiddenFill>
             </a:ext>
             <a:ext uri="{91240B29-F687-4f45-9708-019B960494DF}">
-              <a14:hiddenLine xmlns:a14="http://schemas.microsoft.com/office/drawing/2010/main" xmlns="" w="9525">
+              <a14:hiddenLine xmlns="" xmlns:a14="http://schemas.microsoft.com/office/drawing/2010/main" w="9525">
                 <a:solidFill>
                   <a:srgbClr val="000000"/>
                 </a:solidFill>
@@ -7790,14 +7790,14 @@
           <a:ln/>
           <a:extLst>
             <a:ext uri="{909E8E84-426E-40dd-AFC4-6F175D3DCCD1}">
-              <a14:hiddenFill xmlns:a14="http://schemas.microsoft.com/office/drawing/2010/main" xmlns="">
+              <a14:hiddenFill xmlns="" xmlns:a14="http://schemas.microsoft.com/office/drawing/2010/main">
                 <a:solidFill>
                   <a:srgbClr val="FFFFFF"/>
                 </a:solidFill>
               </a14:hiddenFill>
             </a:ext>
             <a:ext uri="{91240B29-F687-4f45-9708-019B960494DF}">
-              <a14:hiddenLine xmlns:a14="http://schemas.microsoft.com/office/drawing/2010/main" xmlns="" w="9525">
+              <a14:hiddenLine xmlns="" xmlns:a14="http://schemas.microsoft.com/office/drawing/2010/main" w="9525">
                 <a:solidFill>
                   <a:srgbClr val="000000"/>
                 </a:solidFill>
@@ -8119,14 +8119,14 @@
           <a:ln/>
           <a:extLst>
             <a:ext uri="{909E8E84-426E-40dd-AFC4-6F175D3DCCD1}">
-              <a14:hiddenFill xmlns:a14="http://schemas.microsoft.com/office/drawing/2010/main" xmlns="">
+              <a14:hiddenFill xmlns="" xmlns:a14="http://schemas.microsoft.com/office/drawing/2010/main">
                 <a:solidFill>
                   <a:srgbClr val="FFFFFF"/>
                 </a:solidFill>
               </a14:hiddenFill>
             </a:ext>
             <a:ext uri="{91240B29-F687-4f45-9708-019B960494DF}">
-              <a14:hiddenLine xmlns:a14="http://schemas.microsoft.com/office/drawing/2010/main" xmlns="" w="9525">
+              <a14:hiddenLine xmlns="" xmlns:a14="http://schemas.microsoft.com/office/drawing/2010/main" w="9525">
                 <a:solidFill>
                   <a:srgbClr val="000000"/>
                 </a:solidFill>
@@ -8285,14 +8285,14 @@
           <a:ln/>
           <a:extLst>
             <a:ext uri="{909E8E84-426E-40dd-AFC4-6F175D3DCCD1}">
-              <a14:hiddenFill xmlns:a14="http://schemas.microsoft.com/office/drawing/2010/main" xmlns="">
+              <a14:hiddenFill xmlns="" xmlns:a14="http://schemas.microsoft.com/office/drawing/2010/main">
                 <a:solidFill>
                   <a:srgbClr val="FFFFFF"/>
                 </a:solidFill>
               </a14:hiddenFill>
             </a:ext>
             <a:ext uri="{91240B29-F687-4f45-9708-019B960494DF}">
-              <a14:hiddenLine xmlns:a14="http://schemas.microsoft.com/office/drawing/2010/main" xmlns="" w="9525">
+              <a14:hiddenLine xmlns="" xmlns:a14="http://schemas.microsoft.com/office/drawing/2010/main" w="9525">
                 <a:solidFill>
                   <a:srgbClr val="000000"/>
                 </a:solidFill>
@@ -8673,14 +8673,14 @@
           <a:ln/>
           <a:extLst>
             <a:ext uri="{909E8E84-426E-40dd-AFC4-6F175D3DCCD1}">
-              <a14:hiddenFill xmlns:a14="http://schemas.microsoft.com/office/drawing/2010/main" xmlns="">
+              <a14:hiddenFill xmlns="" xmlns:a14="http://schemas.microsoft.com/office/drawing/2010/main">
                 <a:solidFill>
                   <a:srgbClr val="FFFFFF"/>
                 </a:solidFill>
               </a14:hiddenFill>
             </a:ext>
             <a:ext uri="{91240B29-F687-4f45-9708-019B960494DF}">
-              <a14:hiddenLine xmlns:a14="http://schemas.microsoft.com/office/drawing/2010/main" xmlns="" w="9525">
+              <a14:hiddenLine xmlns="" xmlns:a14="http://schemas.microsoft.com/office/drawing/2010/main" w="9525">
                 <a:solidFill>
                   <a:srgbClr val="000000"/>
                 </a:solidFill>
@@ -8839,14 +8839,14 @@
           <a:ln/>
           <a:extLst>
             <a:ext uri="{909E8E84-426E-40dd-AFC4-6F175D3DCCD1}">
-              <a14:hiddenFill xmlns:a14="http://schemas.microsoft.com/office/drawing/2010/main" xmlns="">
+              <a14:hiddenFill xmlns="" xmlns:a14="http://schemas.microsoft.com/office/drawing/2010/main">
                 <a:solidFill>
                   <a:srgbClr val="FFFFFF"/>
                 </a:solidFill>
               </a14:hiddenFill>
             </a:ext>
             <a:ext uri="{91240B29-F687-4f45-9708-019B960494DF}">
-              <a14:hiddenLine xmlns:a14="http://schemas.microsoft.com/office/drawing/2010/main" xmlns="" w="9525">
+              <a14:hiddenLine xmlns="" xmlns:a14="http://schemas.microsoft.com/office/drawing/2010/main" w="9525">
                 <a:solidFill>
                   <a:srgbClr val="000000"/>
                 </a:solidFill>
@@ -9641,14 +9641,14 @@
           <a:ln/>
           <a:extLst>
             <a:ext uri="{909E8E84-426E-40dd-AFC4-6F175D3DCCD1}">
-              <a14:hiddenFill xmlns:a14="http://schemas.microsoft.com/office/drawing/2010/main" xmlns="">
+              <a14:hiddenFill xmlns="" xmlns:a14="http://schemas.microsoft.com/office/drawing/2010/main">
                 <a:solidFill>
                   <a:srgbClr val="FFFFFF"/>
                 </a:solidFill>
               </a14:hiddenFill>
             </a:ext>
             <a:ext uri="{91240B29-F687-4f45-9708-019B960494DF}">
-              <a14:hiddenLine xmlns:a14="http://schemas.microsoft.com/office/drawing/2010/main" xmlns="" w="9525">
+              <a14:hiddenLine xmlns="" xmlns:a14="http://schemas.microsoft.com/office/drawing/2010/main" w="9525">
                 <a:solidFill>
                   <a:srgbClr val="000000"/>
                 </a:solidFill>
@@ -9807,14 +9807,14 @@
           <a:ln/>
           <a:extLst>
             <a:ext uri="{909E8E84-426E-40dd-AFC4-6F175D3DCCD1}">
-              <a14:hiddenFill xmlns:a14="http://schemas.microsoft.com/office/drawing/2010/main" xmlns="">
+              <a14:hiddenFill xmlns="" xmlns:a14="http://schemas.microsoft.com/office/drawing/2010/main">
                 <a:solidFill>
                   <a:srgbClr val="FFFFFF"/>
                 </a:solidFill>
               </a14:hiddenFill>
             </a:ext>
             <a:ext uri="{91240B29-F687-4f45-9708-019B960494DF}">
-              <a14:hiddenLine xmlns:a14="http://schemas.microsoft.com/office/drawing/2010/main" xmlns="" w="9525">
+              <a14:hiddenLine xmlns="" xmlns:a14="http://schemas.microsoft.com/office/drawing/2010/main" w="9525">
                 <a:solidFill>
                   <a:srgbClr val="000000"/>
                 </a:solidFill>
@@ -12705,14 +12705,14 @@
           <a:ln/>
           <a:extLst>
             <a:ext uri="{909E8E84-426E-40dd-AFC4-6F175D3DCCD1}">
-              <a14:hiddenFill xmlns:a14="http://schemas.microsoft.com/office/drawing/2010/main" xmlns="">
+              <a14:hiddenFill xmlns="" xmlns:a14="http://schemas.microsoft.com/office/drawing/2010/main">
                 <a:solidFill>
                   <a:srgbClr val="FFFFFF"/>
                 </a:solidFill>
               </a14:hiddenFill>
             </a:ext>
             <a:ext uri="{91240B29-F687-4f45-9708-019B960494DF}">
-              <a14:hiddenLine xmlns:a14="http://schemas.microsoft.com/office/drawing/2010/main" xmlns="" w="9525">
+              <a14:hiddenLine xmlns="" xmlns:a14="http://schemas.microsoft.com/office/drawing/2010/main" w="9525">
                 <a:solidFill>
                   <a:srgbClr val="000000"/>
                 </a:solidFill>
@@ -12871,14 +12871,14 @@
           <a:ln/>
           <a:extLst>
             <a:ext uri="{909E8E84-426E-40dd-AFC4-6F175D3DCCD1}">
-              <a14:hiddenFill xmlns:a14="http://schemas.microsoft.com/office/drawing/2010/main" xmlns="">
+              <a14:hiddenFill xmlns="" xmlns:a14="http://schemas.microsoft.com/office/drawing/2010/main">
                 <a:solidFill>
                   <a:srgbClr val="FFFFFF"/>
                 </a:solidFill>
               </a14:hiddenFill>
             </a:ext>
             <a:ext uri="{91240B29-F687-4f45-9708-019B960494DF}">
-              <a14:hiddenLine xmlns:a14="http://schemas.microsoft.com/office/drawing/2010/main" xmlns="" w="9525">
+              <a14:hiddenLine xmlns="" xmlns:a14="http://schemas.microsoft.com/office/drawing/2010/main" w="9525">
                 <a:solidFill>
                   <a:srgbClr val="000000"/>
                 </a:solidFill>
@@ -13102,14 +13102,14 @@
           <a:ln/>
           <a:extLst>
             <a:ext uri="{909E8E84-426E-40dd-AFC4-6F175D3DCCD1}">
-              <a14:hiddenFill xmlns:a14="http://schemas.microsoft.com/office/drawing/2010/main" xmlns="">
+              <a14:hiddenFill xmlns="" xmlns:a14="http://schemas.microsoft.com/office/drawing/2010/main">
                 <a:solidFill>
                   <a:srgbClr val="FFFFFF"/>
                 </a:solidFill>
               </a14:hiddenFill>
             </a:ext>
             <a:ext uri="{91240B29-F687-4f45-9708-019B960494DF}">
-              <a14:hiddenLine xmlns:a14="http://schemas.microsoft.com/office/drawing/2010/main" xmlns="" w="9525">
+              <a14:hiddenLine xmlns="" xmlns:a14="http://schemas.microsoft.com/office/drawing/2010/main" w="9525">
                 <a:solidFill>
                   <a:srgbClr val="000000"/>
                 </a:solidFill>
@@ -13268,14 +13268,14 @@
           <a:ln/>
           <a:extLst>
             <a:ext uri="{909E8E84-426E-40dd-AFC4-6F175D3DCCD1}">
-              <a14:hiddenFill xmlns:a14="http://schemas.microsoft.com/office/drawing/2010/main" xmlns="">
+              <a14:hiddenFill xmlns="" xmlns:a14="http://schemas.microsoft.com/office/drawing/2010/main">
                 <a:solidFill>
                   <a:srgbClr val="FFFFFF"/>
                 </a:solidFill>
               </a14:hiddenFill>
             </a:ext>
             <a:ext uri="{91240B29-F687-4f45-9708-019B960494DF}">
-              <a14:hiddenLine xmlns:a14="http://schemas.microsoft.com/office/drawing/2010/main" xmlns="" w="9525">
+              <a14:hiddenLine xmlns="" xmlns:a14="http://schemas.microsoft.com/office/drawing/2010/main" w="9525">
                 <a:solidFill>
                   <a:srgbClr val="000000"/>
                 </a:solidFill>
@@ -13856,14 +13856,14 @@
           <a:ln/>
           <a:extLst>
             <a:ext uri="{909E8E84-426E-40dd-AFC4-6F175D3DCCD1}">
-              <a14:hiddenFill xmlns:a14="http://schemas.microsoft.com/office/drawing/2010/main" xmlns="">
+              <a14:hiddenFill xmlns="" xmlns:a14="http://schemas.microsoft.com/office/drawing/2010/main">
                 <a:solidFill>
                   <a:srgbClr val="FFFFFF"/>
                 </a:solidFill>
               </a14:hiddenFill>
             </a:ext>
             <a:ext uri="{91240B29-F687-4f45-9708-019B960494DF}">
-              <a14:hiddenLine xmlns:a14="http://schemas.microsoft.com/office/drawing/2010/main" xmlns="" w="9525">
+              <a14:hiddenLine xmlns="" xmlns:a14="http://schemas.microsoft.com/office/drawing/2010/main" w="9525">
                 <a:solidFill>
                   <a:srgbClr val="000000"/>
                 </a:solidFill>
@@ -14022,14 +14022,14 @@
           <a:ln/>
           <a:extLst>
             <a:ext uri="{909E8E84-426E-40dd-AFC4-6F175D3DCCD1}">
-              <a14:hiddenFill xmlns:a14="http://schemas.microsoft.com/office/drawing/2010/main" xmlns="">
+              <a14:hiddenFill xmlns="" xmlns:a14="http://schemas.microsoft.com/office/drawing/2010/main">
                 <a:solidFill>
                   <a:srgbClr val="FFFFFF"/>
                 </a:solidFill>
               </a14:hiddenFill>
             </a:ext>
             <a:ext uri="{91240B29-F687-4f45-9708-019B960494DF}">
-              <a14:hiddenLine xmlns:a14="http://schemas.microsoft.com/office/drawing/2010/main" xmlns="" w="9525">
+              <a14:hiddenLine xmlns="" xmlns:a14="http://schemas.microsoft.com/office/drawing/2010/main" w="9525">
                 <a:solidFill>
                   <a:srgbClr val="000000"/>
                 </a:solidFill>
@@ -14499,14 +14499,14 @@
           <a:ln/>
           <a:extLst>
             <a:ext uri="{909E8E84-426E-40dd-AFC4-6F175D3DCCD1}">
-              <a14:hiddenFill xmlns:a14="http://schemas.microsoft.com/office/drawing/2010/main" xmlns="">
+              <a14:hiddenFill xmlns="" xmlns:a14="http://schemas.microsoft.com/office/drawing/2010/main">
                 <a:solidFill>
                   <a:srgbClr val="FFFFFF"/>
                 </a:solidFill>
               </a14:hiddenFill>
             </a:ext>
             <a:ext uri="{91240B29-F687-4f45-9708-019B960494DF}">
-              <a14:hiddenLine xmlns:a14="http://schemas.microsoft.com/office/drawing/2010/main" xmlns="" w="9525">
+              <a14:hiddenLine xmlns="" xmlns:a14="http://schemas.microsoft.com/office/drawing/2010/main" w="9525">
                 <a:solidFill>
                   <a:srgbClr val="000000"/>
                 </a:solidFill>
@@ -14665,14 +14665,14 @@
           <a:ln/>
           <a:extLst>
             <a:ext uri="{909E8E84-426E-40dd-AFC4-6F175D3DCCD1}">
-              <a14:hiddenFill xmlns:a14="http://schemas.microsoft.com/office/drawing/2010/main" xmlns="">
+              <a14:hiddenFill xmlns="" xmlns:a14="http://schemas.microsoft.com/office/drawing/2010/main">
                 <a:solidFill>
                   <a:srgbClr val="FFFFFF"/>
                 </a:solidFill>
               </a14:hiddenFill>
             </a:ext>
             <a:ext uri="{91240B29-F687-4f45-9708-019B960494DF}">
-              <a14:hiddenLine xmlns:a14="http://schemas.microsoft.com/office/drawing/2010/main" xmlns="" w="9525">
+              <a14:hiddenLine xmlns="" xmlns:a14="http://schemas.microsoft.com/office/drawing/2010/main" w="9525">
                 <a:solidFill>
                   <a:srgbClr val="000000"/>
                 </a:solidFill>
@@ -15269,14 +15269,14 @@
           <a:ln/>
           <a:extLst>
             <a:ext uri="{909E8E84-426E-40dd-AFC4-6F175D3DCCD1}">
-              <a14:hiddenFill xmlns:a14="http://schemas.microsoft.com/office/drawing/2010/main" xmlns="">
+              <a14:hiddenFill xmlns="" xmlns:a14="http://schemas.microsoft.com/office/drawing/2010/main">
                 <a:solidFill>
                   <a:srgbClr val="FFFFFF"/>
                 </a:solidFill>
               </a14:hiddenFill>
             </a:ext>
             <a:ext uri="{91240B29-F687-4f45-9708-019B960494DF}">
-              <a14:hiddenLine xmlns:a14="http://schemas.microsoft.com/office/drawing/2010/main" xmlns="" w="9525">
+              <a14:hiddenLine xmlns="" xmlns:a14="http://schemas.microsoft.com/office/drawing/2010/main" w="9525">
                 <a:solidFill>
                   <a:srgbClr val="000000"/>
                 </a:solidFill>
@@ -15435,14 +15435,14 @@
           <a:ln/>
           <a:extLst>
             <a:ext uri="{909E8E84-426E-40dd-AFC4-6F175D3DCCD1}">
-              <a14:hiddenFill xmlns:a14="http://schemas.microsoft.com/office/drawing/2010/main" xmlns="">
+              <a14:hiddenFill xmlns="" xmlns:a14="http://schemas.microsoft.com/office/drawing/2010/main">
                 <a:solidFill>
                   <a:srgbClr val="FFFFFF"/>
                 </a:solidFill>
               </a14:hiddenFill>
             </a:ext>
             <a:ext uri="{91240B29-F687-4f45-9708-019B960494DF}">
-              <a14:hiddenLine xmlns:a14="http://schemas.microsoft.com/office/drawing/2010/main" xmlns="" w="9525">
+              <a14:hiddenLine xmlns="" xmlns:a14="http://schemas.microsoft.com/office/drawing/2010/main" w="9525">
                 <a:solidFill>
                   <a:srgbClr val="000000"/>
                 </a:solidFill>
@@ -15782,14 +15782,14 @@
           <a:ln/>
           <a:extLst>
             <a:ext uri="{909E8E84-426E-40dd-AFC4-6F175D3DCCD1}">
-              <a14:hiddenFill xmlns:a14="http://schemas.microsoft.com/office/drawing/2010/main" xmlns="">
+              <a14:hiddenFill xmlns="" xmlns:a14="http://schemas.microsoft.com/office/drawing/2010/main">
                 <a:solidFill>
                   <a:srgbClr val="FFFFFF"/>
                 </a:solidFill>
               </a14:hiddenFill>
             </a:ext>
             <a:ext uri="{91240B29-F687-4f45-9708-019B960494DF}">
-              <a14:hiddenLine xmlns:a14="http://schemas.microsoft.com/office/drawing/2010/main" xmlns="" w="9525">
+              <a14:hiddenLine xmlns="" xmlns:a14="http://schemas.microsoft.com/office/drawing/2010/main" w="9525">
                 <a:solidFill>
                   <a:srgbClr val="000000"/>
                 </a:solidFill>
@@ -15948,14 +15948,14 @@
           <a:ln/>
           <a:extLst>
             <a:ext uri="{909E8E84-426E-40dd-AFC4-6F175D3DCCD1}">
-              <a14:hiddenFill xmlns:a14="http://schemas.microsoft.com/office/drawing/2010/main" xmlns="">
+              <a14:hiddenFill xmlns="" xmlns:a14="http://schemas.microsoft.com/office/drawing/2010/main">
                 <a:solidFill>
                   <a:srgbClr val="FFFFFF"/>
                 </a:solidFill>
               </a14:hiddenFill>
             </a:ext>
             <a:ext uri="{91240B29-F687-4f45-9708-019B960494DF}">
-              <a14:hiddenLine xmlns:a14="http://schemas.microsoft.com/office/drawing/2010/main" xmlns="" w="9525">
+              <a14:hiddenLine xmlns="" xmlns:a14="http://schemas.microsoft.com/office/drawing/2010/main" w="9525">
                 <a:solidFill>
                   <a:srgbClr val="000000"/>
                 </a:solidFill>
@@ -16127,14 +16127,14 @@
           </a:ln>
           <a:extLst>
             <a:ext uri="{909E8E84-426E-40dd-AFC4-6F175D3DCCD1}">
-              <a14:hiddenFill xmlns:a14="http://schemas.microsoft.com/office/drawing/2010/main" xmlns="">
+              <a14:hiddenFill xmlns="" xmlns:a14="http://schemas.microsoft.com/office/drawing/2010/main">
                 <a:solidFill>
                   <a:srgbClr val="FFFFFF"/>
                 </a:solidFill>
               </a14:hiddenFill>
             </a:ext>
             <a:ext uri="{91240B29-F687-4f45-9708-019B960494DF}">
-              <a14:hiddenLine xmlns:a14="http://schemas.microsoft.com/office/drawing/2010/main" xmlns="" w="19050" algn="ctr">
+              <a14:hiddenLine xmlns="" xmlns:a14="http://schemas.microsoft.com/office/drawing/2010/main" w="19050" algn="ctr">
                 <a:solidFill>
                   <a:srgbClr val="000000"/>
                 </a:solidFill>
@@ -16299,14 +16299,14 @@
           </a:ln>
           <a:extLst>
             <a:ext uri="{909E8E84-426E-40dd-AFC4-6F175D3DCCD1}">
-              <a14:hiddenFill xmlns:a14="http://schemas.microsoft.com/office/drawing/2010/main" xmlns="">
+              <a14:hiddenFill xmlns="" xmlns:a14="http://schemas.microsoft.com/office/drawing/2010/main">
                 <a:solidFill>
                   <a:srgbClr val="FFFFFF"/>
                 </a:solidFill>
               </a14:hiddenFill>
             </a:ext>
             <a:ext uri="{91240B29-F687-4f45-9708-019B960494DF}">
-              <a14:hiddenLine xmlns:a14="http://schemas.microsoft.com/office/drawing/2010/main" xmlns="" w="19050" algn="ctr">
+              <a14:hiddenLine xmlns="" xmlns:a14="http://schemas.microsoft.com/office/drawing/2010/main" w="19050" algn="ctr">
                 <a:solidFill>
                   <a:srgbClr val="000000"/>
                 </a:solidFill>
@@ -16695,14 +16695,14 @@
           <a:ln/>
           <a:extLst>
             <a:ext uri="{909E8E84-426E-40dd-AFC4-6F175D3DCCD1}">
-              <a14:hiddenFill xmlns:a14="http://schemas.microsoft.com/office/drawing/2010/main" xmlns="">
+              <a14:hiddenFill xmlns="" xmlns:a14="http://schemas.microsoft.com/office/drawing/2010/main">
                 <a:solidFill>
                   <a:srgbClr val="FFFFFF"/>
                 </a:solidFill>
               </a14:hiddenFill>
             </a:ext>
             <a:ext uri="{91240B29-F687-4f45-9708-019B960494DF}">
-              <a14:hiddenLine xmlns:a14="http://schemas.microsoft.com/office/drawing/2010/main" xmlns="" w="9525">
+              <a14:hiddenLine xmlns="" xmlns:a14="http://schemas.microsoft.com/office/drawing/2010/main" w="9525">
                 <a:solidFill>
                   <a:srgbClr val="000000"/>
                 </a:solidFill>
@@ -16861,14 +16861,14 @@
           <a:ln/>
           <a:extLst>
             <a:ext uri="{909E8E84-426E-40dd-AFC4-6F175D3DCCD1}">
-              <a14:hiddenFill xmlns:a14="http://schemas.microsoft.com/office/drawing/2010/main" xmlns="">
+              <a14:hiddenFill xmlns="" xmlns:a14="http://schemas.microsoft.com/office/drawing/2010/main">
                 <a:solidFill>
                   <a:srgbClr val="FFFFFF"/>
                 </a:solidFill>
               </a14:hiddenFill>
             </a:ext>
             <a:ext uri="{91240B29-F687-4f45-9708-019B960494DF}">
-              <a14:hiddenLine xmlns:a14="http://schemas.microsoft.com/office/drawing/2010/main" xmlns="" w="9525">
+              <a14:hiddenLine xmlns="" xmlns:a14="http://schemas.microsoft.com/office/drawing/2010/main" w="9525">
                 <a:solidFill>
                   <a:srgbClr val="000000"/>
                 </a:solidFill>
@@ -17040,14 +17040,14 @@
           </a:ln>
           <a:extLst>
             <a:ext uri="{909E8E84-426E-40dd-AFC4-6F175D3DCCD1}">
-              <a14:hiddenFill xmlns:a14="http://schemas.microsoft.com/office/drawing/2010/main" xmlns="">
+              <a14:hiddenFill xmlns="" xmlns:a14="http://schemas.microsoft.com/office/drawing/2010/main">
                 <a:solidFill>
                   <a:srgbClr val="FFFFFF"/>
                 </a:solidFill>
               </a14:hiddenFill>
             </a:ext>
             <a:ext uri="{91240B29-F687-4f45-9708-019B960494DF}">
-              <a14:hiddenLine xmlns:a14="http://schemas.microsoft.com/office/drawing/2010/main" xmlns="" w="19050" algn="ctr">
+              <a14:hiddenLine xmlns="" xmlns:a14="http://schemas.microsoft.com/office/drawing/2010/main" w="19050" algn="ctr">
                 <a:solidFill>
                   <a:srgbClr val="000000"/>
                 </a:solidFill>
@@ -17399,14 +17399,14 @@
           <a:ln/>
           <a:extLst>
             <a:ext uri="{909E8E84-426E-40dd-AFC4-6F175D3DCCD1}">
-              <a14:hiddenFill xmlns:a14="http://schemas.microsoft.com/office/drawing/2010/main" xmlns="">
+              <a14:hiddenFill xmlns="" xmlns:a14="http://schemas.microsoft.com/office/drawing/2010/main">
                 <a:solidFill>
                   <a:srgbClr val="FFFFFF"/>
                 </a:solidFill>
               </a14:hiddenFill>
             </a:ext>
             <a:ext uri="{91240B29-F687-4f45-9708-019B960494DF}">
-              <a14:hiddenLine xmlns:a14="http://schemas.microsoft.com/office/drawing/2010/main" xmlns="" w="9525">
+              <a14:hiddenLine xmlns="" xmlns:a14="http://schemas.microsoft.com/office/drawing/2010/main" w="9525">
                 <a:solidFill>
                   <a:srgbClr val="000000"/>
                 </a:solidFill>
@@ -17562,14 +17562,14 @@
           <a:ln/>
           <a:extLst>
             <a:ext uri="{909E8E84-426E-40dd-AFC4-6F175D3DCCD1}">
-              <a14:hiddenFill xmlns:a14="http://schemas.microsoft.com/office/drawing/2010/main" xmlns="">
+              <a14:hiddenFill xmlns="" xmlns:a14="http://schemas.microsoft.com/office/drawing/2010/main">
                 <a:solidFill>
                   <a:srgbClr val="FFFFFF"/>
                 </a:solidFill>
               </a14:hiddenFill>
             </a:ext>
             <a:ext uri="{91240B29-F687-4f45-9708-019B960494DF}">
-              <a14:hiddenLine xmlns:a14="http://schemas.microsoft.com/office/drawing/2010/main" xmlns="" w="9525">
+              <a14:hiddenLine xmlns="" xmlns:a14="http://schemas.microsoft.com/office/drawing/2010/main" w="9525">
                 <a:solidFill>
                   <a:srgbClr val="000000"/>
                 </a:solidFill>
@@ -18425,14 +18425,14 @@
           <a:ln/>
           <a:extLst>
             <a:ext uri="{909E8E84-426E-40dd-AFC4-6F175D3DCCD1}">
-              <a14:hiddenFill xmlns:a14="http://schemas.microsoft.com/office/drawing/2010/main" xmlns="">
+              <a14:hiddenFill xmlns="" xmlns:a14="http://schemas.microsoft.com/office/drawing/2010/main">
                 <a:solidFill>
                   <a:srgbClr val="FFFFFF"/>
                 </a:solidFill>
               </a14:hiddenFill>
             </a:ext>
             <a:ext uri="{91240B29-F687-4f45-9708-019B960494DF}">
-              <a14:hiddenLine xmlns:a14="http://schemas.microsoft.com/office/drawing/2010/main" xmlns="" w="9525">
+              <a14:hiddenLine xmlns="" xmlns:a14="http://schemas.microsoft.com/office/drawing/2010/main" w="9525">
                 <a:solidFill>
                   <a:srgbClr val="000000"/>
                 </a:solidFill>
@@ -18588,14 +18588,14 @@
           <a:ln/>
           <a:extLst>
             <a:ext uri="{909E8E84-426E-40dd-AFC4-6F175D3DCCD1}">
-              <a14:hiddenFill xmlns:a14="http://schemas.microsoft.com/office/drawing/2010/main" xmlns="">
+              <a14:hiddenFill xmlns="" xmlns:a14="http://schemas.microsoft.com/office/drawing/2010/main">
                 <a:solidFill>
                   <a:srgbClr val="FFFFFF"/>
                 </a:solidFill>
               </a14:hiddenFill>
             </a:ext>
             <a:ext uri="{91240B29-F687-4f45-9708-019B960494DF}">
-              <a14:hiddenLine xmlns:a14="http://schemas.microsoft.com/office/drawing/2010/main" xmlns="" w="9525">
+              <a14:hiddenLine xmlns="" xmlns:a14="http://schemas.microsoft.com/office/drawing/2010/main" w="9525">
                 <a:solidFill>
                   <a:srgbClr val="000000"/>
                 </a:solidFill>
@@ -18935,14 +18935,14 @@
           <a:ln/>
           <a:extLst>
             <a:ext uri="{909E8E84-426E-40dd-AFC4-6F175D3DCCD1}">
-              <a14:hiddenFill xmlns:a14="http://schemas.microsoft.com/office/drawing/2010/main" xmlns="">
+              <a14:hiddenFill xmlns="" xmlns:a14="http://schemas.microsoft.com/office/drawing/2010/main">
                 <a:solidFill>
                   <a:srgbClr val="FFFFFF"/>
                 </a:solidFill>
               </a14:hiddenFill>
             </a:ext>
             <a:ext uri="{91240B29-F687-4f45-9708-019B960494DF}">
-              <a14:hiddenLine xmlns:a14="http://schemas.microsoft.com/office/drawing/2010/main" xmlns="" w="9525">
+              <a14:hiddenLine xmlns="" xmlns:a14="http://schemas.microsoft.com/office/drawing/2010/main" w="9525">
                 <a:solidFill>
                   <a:srgbClr val="000000"/>
                 </a:solidFill>
@@ -19101,14 +19101,14 @@
           <a:ln/>
           <a:extLst>
             <a:ext uri="{909E8E84-426E-40dd-AFC4-6F175D3DCCD1}">
-              <a14:hiddenFill xmlns:a14="http://schemas.microsoft.com/office/drawing/2010/main" xmlns="">
+              <a14:hiddenFill xmlns="" xmlns:a14="http://schemas.microsoft.com/office/drawing/2010/main">
                 <a:solidFill>
                   <a:srgbClr val="FFFFFF"/>
                 </a:solidFill>
               </a14:hiddenFill>
             </a:ext>
             <a:ext uri="{91240B29-F687-4f45-9708-019B960494DF}">
-              <a14:hiddenLine xmlns:a14="http://schemas.microsoft.com/office/drawing/2010/main" xmlns="" w="9525">
+              <a14:hiddenLine xmlns="" xmlns:a14="http://schemas.microsoft.com/office/drawing/2010/main" w="9525">
                 <a:solidFill>
                   <a:srgbClr val="000000"/>
                 </a:solidFill>
@@ -19832,14 +19832,14 @@
           <a:ln/>
           <a:extLst>
             <a:ext uri="{909E8E84-426E-40dd-AFC4-6F175D3DCCD1}">
-              <a14:hiddenFill xmlns:a14="http://schemas.microsoft.com/office/drawing/2010/main" xmlns="">
+              <a14:hiddenFill xmlns="" xmlns:a14="http://schemas.microsoft.com/office/drawing/2010/main">
                 <a:solidFill>
                   <a:srgbClr val="FFFFFF"/>
                 </a:solidFill>
               </a14:hiddenFill>
             </a:ext>
             <a:ext uri="{91240B29-F687-4f45-9708-019B960494DF}">
-              <a14:hiddenLine xmlns:a14="http://schemas.microsoft.com/office/drawing/2010/main" xmlns="" w="9525">
+              <a14:hiddenLine xmlns="" xmlns:a14="http://schemas.microsoft.com/office/drawing/2010/main" w="9525">
                 <a:solidFill>
                   <a:srgbClr val="000000"/>
                 </a:solidFill>
@@ -19995,14 +19995,14 @@
           <a:ln/>
           <a:extLst>
             <a:ext uri="{909E8E84-426E-40dd-AFC4-6F175D3DCCD1}">
-              <a14:hiddenFill xmlns:a14="http://schemas.microsoft.com/office/drawing/2010/main" xmlns="">
+              <a14:hiddenFill xmlns="" xmlns:a14="http://schemas.microsoft.com/office/drawing/2010/main">
                 <a:solidFill>
                   <a:srgbClr val="FFFFFF"/>
                 </a:solidFill>
               </a14:hiddenFill>
             </a:ext>
             <a:ext uri="{91240B29-F687-4f45-9708-019B960494DF}">
-              <a14:hiddenLine xmlns:a14="http://schemas.microsoft.com/office/drawing/2010/main" xmlns="" w="9525">
+              <a14:hiddenLine xmlns="" xmlns:a14="http://schemas.microsoft.com/office/drawing/2010/main" w="9525">
                 <a:solidFill>
                   <a:srgbClr val="000000"/>
                 </a:solidFill>
@@ -21112,14 +21112,14 @@
           <a:ln/>
           <a:extLst>
             <a:ext uri="{909E8E84-426E-40dd-AFC4-6F175D3DCCD1}">
-              <a14:hiddenFill xmlns:a14="http://schemas.microsoft.com/office/drawing/2010/main" xmlns="">
+              <a14:hiddenFill xmlns="" xmlns:a14="http://schemas.microsoft.com/office/drawing/2010/main">
                 <a:solidFill>
                   <a:srgbClr val="FFFFFF"/>
                 </a:solidFill>
               </a14:hiddenFill>
             </a:ext>
             <a:ext uri="{91240B29-F687-4f45-9708-019B960494DF}">
-              <a14:hiddenLine xmlns:a14="http://schemas.microsoft.com/office/drawing/2010/main" xmlns="" w="9525">
+              <a14:hiddenLine xmlns="" xmlns:a14="http://schemas.microsoft.com/office/drawing/2010/main" w="9525">
                 <a:solidFill>
                   <a:srgbClr val="000000"/>
                 </a:solidFill>
@@ -21278,14 +21278,14 @@
           <a:ln/>
           <a:extLst>
             <a:ext uri="{909E8E84-426E-40dd-AFC4-6F175D3DCCD1}">
-              <a14:hiddenFill xmlns:a14="http://schemas.microsoft.com/office/drawing/2010/main" xmlns="">
+              <a14:hiddenFill xmlns="" xmlns:a14="http://schemas.microsoft.com/office/drawing/2010/main">
                 <a:solidFill>
                   <a:srgbClr val="FFFFFF"/>
                 </a:solidFill>
               </a14:hiddenFill>
             </a:ext>
             <a:ext uri="{91240B29-F687-4f45-9708-019B960494DF}">
-              <a14:hiddenLine xmlns:a14="http://schemas.microsoft.com/office/drawing/2010/main" xmlns="" w="9525">
+              <a14:hiddenLine xmlns="" xmlns:a14="http://schemas.microsoft.com/office/drawing/2010/main" w="9525">
                 <a:solidFill>
                   <a:srgbClr val="000000"/>
                 </a:solidFill>
@@ -21990,14 +21990,14 @@
           <a:ln/>
           <a:extLst>
             <a:ext uri="{909E8E84-426E-40dd-AFC4-6F175D3DCCD1}">
-              <a14:hiddenFill xmlns:a14="http://schemas.microsoft.com/office/drawing/2010/main" xmlns="">
+              <a14:hiddenFill xmlns="" xmlns:a14="http://schemas.microsoft.com/office/drawing/2010/main">
                 <a:solidFill>
                   <a:srgbClr val="FFFFFF"/>
                 </a:solidFill>
               </a14:hiddenFill>
             </a:ext>
             <a:ext uri="{91240B29-F687-4f45-9708-019B960494DF}">
-              <a14:hiddenLine xmlns:a14="http://schemas.microsoft.com/office/drawing/2010/main" xmlns="" w="9525">
+              <a14:hiddenLine xmlns="" xmlns:a14="http://schemas.microsoft.com/office/drawing/2010/main" w="9525">
                 <a:solidFill>
                   <a:srgbClr val="000000"/>
                 </a:solidFill>
@@ -22153,14 +22153,14 @@
           <a:ln/>
           <a:extLst>
             <a:ext uri="{909E8E84-426E-40dd-AFC4-6F175D3DCCD1}">
-              <a14:hiddenFill xmlns:a14="http://schemas.microsoft.com/office/drawing/2010/main" xmlns="">
+              <a14:hiddenFill xmlns="" xmlns:a14="http://schemas.microsoft.com/office/drawing/2010/main">
                 <a:solidFill>
                   <a:srgbClr val="FFFFFF"/>
                 </a:solidFill>
               </a14:hiddenFill>
             </a:ext>
             <a:ext uri="{91240B29-F687-4f45-9708-019B960494DF}">
-              <a14:hiddenLine xmlns:a14="http://schemas.microsoft.com/office/drawing/2010/main" xmlns="" w="9525">
+              <a14:hiddenLine xmlns="" xmlns:a14="http://schemas.microsoft.com/office/drawing/2010/main" w="9525">
                 <a:solidFill>
                   <a:srgbClr val="000000"/>
                 </a:solidFill>
@@ -22857,14 +22857,14 @@
           </a:ln>
           <a:extLst>
             <a:ext uri="{909E8E84-426E-40dd-AFC4-6F175D3DCCD1}">
-              <a14:hiddenFill xmlns:a14="http://schemas.microsoft.com/office/drawing/2010/main" xmlns="">
+              <a14:hiddenFill xmlns="" xmlns:a14="http://schemas.microsoft.com/office/drawing/2010/main">
                 <a:solidFill>
                   <a:srgbClr val="FFFFFF"/>
                 </a:solidFill>
               </a14:hiddenFill>
             </a:ext>
             <a:ext uri="{91240B29-F687-4f45-9708-019B960494DF}">
-              <a14:hiddenLine xmlns:a14="http://schemas.microsoft.com/office/drawing/2010/main" xmlns="" w="9525">
+              <a14:hiddenLine xmlns="" xmlns:a14="http://schemas.microsoft.com/office/drawing/2010/main" w="9525">
                 <a:solidFill>
                   <a:srgbClr val="000000"/>
                 </a:solidFill>
@@ -23041,14 +23041,14 @@
           </a:ln>
           <a:extLst>
             <a:ext uri="{909E8E84-426E-40dd-AFC4-6F175D3DCCD1}">
-              <a14:hiddenFill xmlns:a14="http://schemas.microsoft.com/office/drawing/2010/main" xmlns="">
+              <a14:hiddenFill xmlns="" xmlns:a14="http://schemas.microsoft.com/office/drawing/2010/main">
                 <a:solidFill>
                   <a:srgbClr val="FFFFFF"/>
                 </a:solidFill>
               </a14:hiddenFill>
             </a:ext>
             <a:ext uri="{91240B29-F687-4f45-9708-019B960494DF}">
-              <a14:hiddenLine xmlns:a14="http://schemas.microsoft.com/office/drawing/2010/main" xmlns="" w="9525">
+              <a14:hiddenLine xmlns="" xmlns:a14="http://schemas.microsoft.com/office/drawing/2010/main" w="9525">
                 <a:solidFill>
                   <a:srgbClr val="000000"/>
                 </a:solidFill>
@@ -23225,14 +23225,14 @@
           </a:ln>
           <a:extLst>
             <a:ext uri="{909E8E84-426E-40dd-AFC4-6F175D3DCCD1}">
-              <a14:hiddenFill xmlns:a14="http://schemas.microsoft.com/office/drawing/2010/main" xmlns="">
+              <a14:hiddenFill xmlns="" xmlns:a14="http://schemas.microsoft.com/office/drawing/2010/main">
                 <a:solidFill>
                   <a:srgbClr val="FFFFFF"/>
                 </a:solidFill>
               </a14:hiddenFill>
             </a:ext>
             <a:ext uri="{91240B29-F687-4f45-9708-019B960494DF}">
-              <a14:hiddenLine xmlns:a14="http://schemas.microsoft.com/office/drawing/2010/main" xmlns="" w="9525">
+              <a14:hiddenLine xmlns="" xmlns:a14="http://schemas.microsoft.com/office/drawing/2010/main" w="9525">
                 <a:solidFill>
                   <a:srgbClr val="000000"/>
                 </a:solidFill>
@@ -23409,14 +23409,14 @@
           </a:ln>
           <a:extLst>
             <a:ext uri="{909E8E84-426E-40dd-AFC4-6F175D3DCCD1}">
-              <a14:hiddenFill xmlns:a14="http://schemas.microsoft.com/office/drawing/2010/main" xmlns="">
+              <a14:hiddenFill xmlns="" xmlns:a14="http://schemas.microsoft.com/office/drawing/2010/main">
                 <a:solidFill>
                   <a:srgbClr val="FFFFFF"/>
                 </a:solidFill>
               </a14:hiddenFill>
             </a:ext>
             <a:ext uri="{91240B29-F687-4f45-9708-019B960494DF}">
-              <a14:hiddenLine xmlns:a14="http://schemas.microsoft.com/office/drawing/2010/main" xmlns="" w="9525">
+              <a14:hiddenLine xmlns="" xmlns:a14="http://schemas.microsoft.com/office/drawing/2010/main" w="9525">
                 <a:solidFill>
                   <a:srgbClr val="000000"/>
                 </a:solidFill>
@@ -23593,14 +23593,14 @@
           </a:ln>
           <a:extLst>
             <a:ext uri="{909E8E84-426E-40dd-AFC4-6F175D3DCCD1}">
-              <a14:hiddenFill xmlns:a14="http://schemas.microsoft.com/office/drawing/2010/main" xmlns="">
+              <a14:hiddenFill xmlns="" xmlns:a14="http://schemas.microsoft.com/office/drawing/2010/main">
                 <a:solidFill>
                   <a:srgbClr val="FFFFFF"/>
                 </a:solidFill>
               </a14:hiddenFill>
             </a:ext>
             <a:ext uri="{91240B29-F687-4f45-9708-019B960494DF}">
-              <a14:hiddenLine xmlns:a14="http://schemas.microsoft.com/office/drawing/2010/main" xmlns="" w="9525">
+              <a14:hiddenLine xmlns="" xmlns:a14="http://schemas.microsoft.com/office/drawing/2010/main" w="9525">
                 <a:solidFill>
                   <a:srgbClr val="000000"/>
                 </a:solidFill>
@@ -23778,14 +23778,14 @@
           </a:ln>
           <a:extLst>
             <a:ext uri="{909E8E84-426E-40dd-AFC4-6F175D3DCCD1}">
-              <a14:hiddenFill xmlns:a14="http://schemas.microsoft.com/office/drawing/2010/main" xmlns="">
+              <a14:hiddenFill xmlns="" xmlns:a14="http://schemas.microsoft.com/office/drawing/2010/main">
                 <a:solidFill>
                   <a:srgbClr val="FFFFFF"/>
                 </a:solidFill>
               </a14:hiddenFill>
             </a:ext>
             <a:ext uri="{91240B29-F687-4f45-9708-019B960494DF}">
-              <a14:hiddenLine xmlns:a14="http://schemas.microsoft.com/office/drawing/2010/main" xmlns="" w="9525">
+              <a14:hiddenLine xmlns="" xmlns:a14="http://schemas.microsoft.com/office/drawing/2010/main" w="9525">
                 <a:solidFill>
                   <a:srgbClr val="000000"/>
                 </a:solidFill>
@@ -23962,14 +23962,14 @@
           </a:ln>
           <a:extLst>
             <a:ext uri="{909E8E84-426E-40dd-AFC4-6F175D3DCCD1}">
-              <a14:hiddenFill xmlns:a14="http://schemas.microsoft.com/office/drawing/2010/main" xmlns="">
+              <a14:hiddenFill xmlns="" xmlns:a14="http://schemas.microsoft.com/office/drawing/2010/main">
                 <a:solidFill>
                   <a:srgbClr val="FFFFFF"/>
                 </a:solidFill>
               </a14:hiddenFill>
             </a:ext>
             <a:ext uri="{91240B29-F687-4f45-9708-019B960494DF}">
-              <a14:hiddenLine xmlns:a14="http://schemas.microsoft.com/office/drawing/2010/main" xmlns="" w="9525">
+              <a14:hiddenLine xmlns="" xmlns:a14="http://schemas.microsoft.com/office/drawing/2010/main" w="9525">
                 <a:solidFill>
                   <a:srgbClr val="000000"/>
                 </a:solidFill>
@@ -24146,14 +24146,14 @@
           </a:ln>
           <a:extLst>
             <a:ext uri="{909E8E84-426E-40dd-AFC4-6F175D3DCCD1}">
-              <a14:hiddenFill xmlns:a14="http://schemas.microsoft.com/office/drawing/2010/main" xmlns="">
+              <a14:hiddenFill xmlns="" xmlns:a14="http://schemas.microsoft.com/office/drawing/2010/main">
                 <a:solidFill>
                   <a:srgbClr val="FFFFFF"/>
                 </a:solidFill>
               </a14:hiddenFill>
             </a:ext>
             <a:ext uri="{91240B29-F687-4f45-9708-019B960494DF}">
-              <a14:hiddenLine xmlns:a14="http://schemas.microsoft.com/office/drawing/2010/main" xmlns="" w="9525">
+              <a14:hiddenLine xmlns="" xmlns:a14="http://schemas.microsoft.com/office/drawing/2010/main" w="9525">
                 <a:solidFill>
                   <a:srgbClr val="000000"/>
                 </a:solidFill>
@@ -24330,14 +24330,14 @@
           </a:ln>
           <a:extLst>
             <a:ext uri="{909E8E84-426E-40dd-AFC4-6F175D3DCCD1}">
-              <a14:hiddenFill xmlns:a14="http://schemas.microsoft.com/office/drawing/2010/main" xmlns="">
+              <a14:hiddenFill xmlns="" xmlns:a14="http://schemas.microsoft.com/office/drawing/2010/main">
                 <a:solidFill>
                   <a:srgbClr val="FFFFFF"/>
                 </a:solidFill>
               </a14:hiddenFill>
             </a:ext>
             <a:ext uri="{91240B29-F687-4f45-9708-019B960494DF}">
-              <a14:hiddenLine xmlns:a14="http://schemas.microsoft.com/office/drawing/2010/main" xmlns="" w="9525">
+              <a14:hiddenLine xmlns="" xmlns:a14="http://schemas.microsoft.com/office/drawing/2010/main" w="9525">
                 <a:solidFill>
                   <a:srgbClr val="000000"/>
                 </a:solidFill>
@@ -24514,14 +24514,14 @@
           </a:ln>
           <a:extLst>
             <a:ext uri="{909E8E84-426E-40dd-AFC4-6F175D3DCCD1}">
-              <a14:hiddenFill xmlns:a14="http://schemas.microsoft.com/office/drawing/2010/main" xmlns="">
+              <a14:hiddenFill xmlns="" xmlns:a14="http://schemas.microsoft.com/office/drawing/2010/main">
                 <a:solidFill>
                   <a:srgbClr val="FFFFFF"/>
                 </a:solidFill>
               </a14:hiddenFill>
             </a:ext>
             <a:ext uri="{91240B29-F687-4f45-9708-019B960494DF}">
-              <a14:hiddenLine xmlns:a14="http://schemas.microsoft.com/office/drawing/2010/main" xmlns="" w="9525">
+              <a14:hiddenLine xmlns="" xmlns:a14="http://schemas.microsoft.com/office/drawing/2010/main" w="9525">
                 <a:solidFill>
                   <a:srgbClr val="000000"/>
                 </a:solidFill>
@@ -24707,14 +24707,14 @@
           </a:ln>
           <a:extLst>
             <a:ext uri="{909E8E84-426E-40dd-AFC4-6F175D3DCCD1}">
-              <a14:hiddenFill xmlns:a14="http://schemas.microsoft.com/office/drawing/2010/main" xmlns="">
+              <a14:hiddenFill xmlns="" xmlns:a14="http://schemas.microsoft.com/office/drawing/2010/main">
                 <a:solidFill>
                   <a:srgbClr val="FFFFFF"/>
                 </a:solidFill>
               </a14:hiddenFill>
             </a:ext>
             <a:ext uri="{91240B29-F687-4f45-9708-019B960494DF}">
-              <a14:hiddenLine xmlns:a14="http://schemas.microsoft.com/office/drawing/2010/main" xmlns="" w="9525">
+              <a14:hiddenLine xmlns="" xmlns:a14="http://schemas.microsoft.com/office/drawing/2010/main" w="9525">
                 <a:solidFill>
                   <a:srgbClr val="000000"/>
                 </a:solidFill>
@@ -24891,14 +24891,14 @@
           </a:ln>
           <a:extLst>
             <a:ext uri="{909E8E84-426E-40dd-AFC4-6F175D3DCCD1}">
-              <a14:hiddenFill xmlns:a14="http://schemas.microsoft.com/office/drawing/2010/main" xmlns="">
+              <a14:hiddenFill xmlns="" xmlns:a14="http://schemas.microsoft.com/office/drawing/2010/main">
                 <a:solidFill>
                   <a:srgbClr val="FFFFFF"/>
                 </a:solidFill>
               </a14:hiddenFill>
             </a:ext>
             <a:ext uri="{91240B29-F687-4f45-9708-019B960494DF}">
-              <a14:hiddenLine xmlns:a14="http://schemas.microsoft.com/office/drawing/2010/main" xmlns="" w="9525">
+              <a14:hiddenLine xmlns="" xmlns:a14="http://schemas.microsoft.com/office/drawing/2010/main" w="9525">
                 <a:solidFill>
                   <a:srgbClr val="000000"/>
                 </a:solidFill>
@@ -25075,14 +25075,14 @@
           </a:ln>
           <a:extLst>
             <a:ext uri="{909E8E84-426E-40dd-AFC4-6F175D3DCCD1}">
-              <a14:hiddenFill xmlns:a14="http://schemas.microsoft.com/office/drawing/2010/main" xmlns="">
+              <a14:hiddenFill xmlns="" xmlns:a14="http://schemas.microsoft.com/office/drawing/2010/main">
                 <a:solidFill>
                   <a:srgbClr val="FFFFFF"/>
                 </a:solidFill>
               </a14:hiddenFill>
             </a:ext>
             <a:ext uri="{91240B29-F687-4f45-9708-019B960494DF}">
-              <a14:hiddenLine xmlns:a14="http://schemas.microsoft.com/office/drawing/2010/main" xmlns="" w="9525">
+              <a14:hiddenLine xmlns="" xmlns:a14="http://schemas.microsoft.com/office/drawing/2010/main" w="9525">
                 <a:solidFill>
                   <a:srgbClr val="000000"/>
                 </a:solidFill>
@@ -25259,14 +25259,14 @@
           </a:ln>
           <a:extLst>
             <a:ext uri="{909E8E84-426E-40dd-AFC4-6F175D3DCCD1}">
-              <a14:hiddenFill xmlns:a14="http://schemas.microsoft.com/office/drawing/2010/main" xmlns="">
+              <a14:hiddenFill xmlns="" xmlns:a14="http://schemas.microsoft.com/office/drawing/2010/main">
                 <a:solidFill>
                   <a:srgbClr val="FFFFFF"/>
                 </a:solidFill>
               </a14:hiddenFill>
             </a:ext>
             <a:ext uri="{91240B29-F687-4f45-9708-019B960494DF}">
-              <a14:hiddenLine xmlns:a14="http://schemas.microsoft.com/office/drawing/2010/main" xmlns="" w="9525">
+              <a14:hiddenLine xmlns="" xmlns:a14="http://schemas.microsoft.com/office/drawing/2010/main" w="9525">
                 <a:solidFill>
                   <a:srgbClr val="000000"/>
                 </a:solidFill>
@@ -25447,14 +25447,14 @@
           </a:ln>
           <a:extLst>
             <a:ext uri="{909E8E84-426E-40dd-AFC4-6F175D3DCCD1}">
-              <a14:hiddenFill xmlns:a14="http://schemas.microsoft.com/office/drawing/2010/main" xmlns="">
+              <a14:hiddenFill xmlns="" xmlns:a14="http://schemas.microsoft.com/office/drawing/2010/main">
                 <a:solidFill>
                   <a:srgbClr val="FFFFFF"/>
                 </a:solidFill>
               </a14:hiddenFill>
             </a:ext>
             <a:ext uri="{91240B29-F687-4f45-9708-019B960494DF}">
-              <a14:hiddenLine xmlns:a14="http://schemas.microsoft.com/office/drawing/2010/main" xmlns="" w="9525">
+              <a14:hiddenLine xmlns="" xmlns:a14="http://schemas.microsoft.com/office/drawing/2010/main" w="9525">
                 <a:solidFill>
                   <a:srgbClr val="000000"/>
                 </a:solidFill>
@@ -25636,7 +25636,7 @@
           </a:ln>
           <a:extLst>
             <a:ext uri="{909E8E84-426E-40dd-AFC4-6F175D3DCCD1}">
-              <a14:hiddenFill xmlns:a14="http://schemas.microsoft.com/office/drawing/2010/main" xmlns="">
+              <a14:hiddenFill xmlns="" xmlns:a14="http://schemas.microsoft.com/office/drawing/2010/main">
                 <a:noFill/>
               </a14:hiddenFill>
             </a:ext>
@@ -25681,7 +25681,7 @@
           </a:ln>
           <a:extLst>
             <a:ext uri="{909E8E84-426E-40dd-AFC4-6F175D3DCCD1}">
-              <a14:hiddenFill xmlns:a14="http://schemas.microsoft.com/office/drawing/2010/main" xmlns="">
+              <a14:hiddenFill xmlns="" xmlns:a14="http://schemas.microsoft.com/office/drawing/2010/main">
                 <a:noFill/>
               </a14:hiddenFill>
             </a:ext>
@@ -25726,7 +25726,7 @@
           </a:ln>
           <a:extLst>
             <a:ext uri="{909E8E84-426E-40dd-AFC4-6F175D3DCCD1}">
-              <a14:hiddenFill xmlns:a14="http://schemas.microsoft.com/office/drawing/2010/main" xmlns="">
+              <a14:hiddenFill xmlns="" xmlns:a14="http://schemas.microsoft.com/office/drawing/2010/main">
                 <a:noFill/>
               </a14:hiddenFill>
             </a:ext>
@@ -25771,7 +25771,7 @@
           </a:ln>
           <a:extLst>
             <a:ext uri="{909E8E84-426E-40dd-AFC4-6F175D3DCCD1}">
-              <a14:hiddenFill xmlns:a14="http://schemas.microsoft.com/office/drawing/2010/main" xmlns="">
+              <a14:hiddenFill xmlns="" xmlns:a14="http://schemas.microsoft.com/office/drawing/2010/main">
                 <a:noFill/>
               </a14:hiddenFill>
             </a:ext>
@@ -25816,7 +25816,7 @@
           </a:ln>
           <a:extLst>
             <a:ext uri="{909E8E84-426E-40dd-AFC4-6F175D3DCCD1}">
-              <a14:hiddenFill xmlns:a14="http://schemas.microsoft.com/office/drawing/2010/main" xmlns="">
+              <a14:hiddenFill xmlns="" xmlns:a14="http://schemas.microsoft.com/office/drawing/2010/main">
                 <a:noFill/>
               </a14:hiddenFill>
             </a:ext>
@@ -25861,7 +25861,7 @@
           </a:ln>
           <a:extLst>
             <a:ext uri="{909E8E84-426E-40dd-AFC4-6F175D3DCCD1}">
-              <a14:hiddenFill xmlns:a14="http://schemas.microsoft.com/office/drawing/2010/main" xmlns="">
+              <a14:hiddenFill xmlns="" xmlns:a14="http://schemas.microsoft.com/office/drawing/2010/main">
                 <a:noFill/>
               </a14:hiddenFill>
             </a:ext>
@@ -25906,7 +25906,7 @@
           </a:ln>
           <a:extLst>
             <a:ext uri="{909E8E84-426E-40dd-AFC4-6F175D3DCCD1}">
-              <a14:hiddenFill xmlns:a14="http://schemas.microsoft.com/office/drawing/2010/main" xmlns="">
+              <a14:hiddenFill xmlns="" xmlns:a14="http://schemas.microsoft.com/office/drawing/2010/main">
                 <a:noFill/>
               </a14:hiddenFill>
             </a:ext>
@@ -25951,7 +25951,7 @@
           </a:ln>
           <a:extLst>
             <a:ext uri="{909E8E84-426E-40dd-AFC4-6F175D3DCCD1}">
-              <a14:hiddenFill xmlns:a14="http://schemas.microsoft.com/office/drawing/2010/main" xmlns="">
+              <a14:hiddenFill xmlns="" xmlns:a14="http://schemas.microsoft.com/office/drawing/2010/main">
                 <a:noFill/>
               </a14:hiddenFill>
             </a:ext>
@@ -25996,7 +25996,7 @@
           </a:ln>
           <a:extLst>
             <a:ext uri="{909E8E84-426E-40dd-AFC4-6F175D3DCCD1}">
-              <a14:hiddenFill xmlns:a14="http://schemas.microsoft.com/office/drawing/2010/main" xmlns="">
+              <a14:hiddenFill xmlns="" xmlns:a14="http://schemas.microsoft.com/office/drawing/2010/main">
                 <a:noFill/>
               </a14:hiddenFill>
             </a:ext>
@@ -26041,7 +26041,7 @@
           </a:ln>
           <a:extLst>
             <a:ext uri="{909E8E84-426E-40dd-AFC4-6F175D3DCCD1}">
-              <a14:hiddenFill xmlns:a14="http://schemas.microsoft.com/office/drawing/2010/main" xmlns="">
+              <a14:hiddenFill xmlns="" xmlns:a14="http://schemas.microsoft.com/office/drawing/2010/main">
                 <a:noFill/>
               </a14:hiddenFill>
             </a:ext>
@@ -26086,7 +26086,7 @@
           </a:ln>
           <a:extLst>
             <a:ext uri="{909E8E84-426E-40dd-AFC4-6F175D3DCCD1}">
-              <a14:hiddenFill xmlns:a14="http://schemas.microsoft.com/office/drawing/2010/main" xmlns="">
+              <a14:hiddenFill xmlns="" xmlns:a14="http://schemas.microsoft.com/office/drawing/2010/main">
                 <a:noFill/>
               </a14:hiddenFill>
             </a:ext>
@@ -26131,7 +26131,7 @@
           </a:ln>
           <a:extLst>
             <a:ext uri="{909E8E84-426E-40dd-AFC4-6F175D3DCCD1}">
-              <a14:hiddenFill xmlns:a14="http://schemas.microsoft.com/office/drawing/2010/main" xmlns="">
+              <a14:hiddenFill xmlns="" xmlns:a14="http://schemas.microsoft.com/office/drawing/2010/main">
                 <a:noFill/>
               </a14:hiddenFill>
             </a:ext>
@@ -26176,7 +26176,7 @@
           </a:ln>
           <a:extLst>
             <a:ext uri="{909E8E84-426E-40dd-AFC4-6F175D3DCCD1}">
-              <a14:hiddenFill xmlns:a14="http://schemas.microsoft.com/office/drawing/2010/main" xmlns="">
+              <a14:hiddenFill xmlns="" xmlns:a14="http://schemas.microsoft.com/office/drawing/2010/main">
                 <a:noFill/>
               </a14:hiddenFill>
             </a:ext>
@@ -26221,7 +26221,7 @@
           </a:ln>
           <a:extLst>
             <a:ext uri="{909E8E84-426E-40dd-AFC4-6F175D3DCCD1}">
-              <a14:hiddenFill xmlns:a14="http://schemas.microsoft.com/office/drawing/2010/main" xmlns="">
+              <a14:hiddenFill xmlns="" xmlns:a14="http://schemas.microsoft.com/office/drawing/2010/main">
                 <a:noFill/>
               </a14:hiddenFill>
             </a:ext>
@@ -26266,7 +26266,7 @@
           </a:ln>
           <a:extLst>
             <a:ext uri="{909E8E84-426E-40dd-AFC4-6F175D3DCCD1}">
-              <a14:hiddenFill xmlns:a14="http://schemas.microsoft.com/office/drawing/2010/main" xmlns="">
+              <a14:hiddenFill xmlns="" xmlns:a14="http://schemas.microsoft.com/office/drawing/2010/main">
                 <a:noFill/>
               </a14:hiddenFill>
             </a:ext>
@@ -26311,7 +26311,7 @@
           </a:ln>
           <a:extLst>
             <a:ext uri="{909E8E84-426E-40dd-AFC4-6F175D3DCCD1}">
-              <a14:hiddenFill xmlns:a14="http://schemas.microsoft.com/office/drawing/2010/main" xmlns="">
+              <a14:hiddenFill xmlns="" xmlns:a14="http://schemas.microsoft.com/office/drawing/2010/main">
                 <a:noFill/>
               </a14:hiddenFill>
             </a:ext>
@@ -26356,7 +26356,7 @@
           </a:ln>
           <a:extLst>
             <a:ext uri="{909E8E84-426E-40dd-AFC4-6F175D3DCCD1}">
-              <a14:hiddenFill xmlns:a14="http://schemas.microsoft.com/office/drawing/2010/main" xmlns="">
+              <a14:hiddenFill xmlns="" xmlns:a14="http://schemas.microsoft.com/office/drawing/2010/main">
                 <a:noFill/>
               </a14:hiddenFill>
             </a:ext>
@@ -26401,7 +26401,7 @@
           </a:ln>
           <a:extLst>
             <a:ext uri="{909E8E84-426E-40dd-AFC4-6F175D3DCCD1}">
-              <a14:hiddenFill xmlns:a14="http://schemas.microsoft.com/office/drawing/2010/main" xmlns="">
+              <a14:hiddenFill xmlns="" xmlns:a14="http://schemas.microsoft.com/office/drawing/2010/main">
                 <a:noFill/>
               </a14:hiddenFill>
             </a:ext>
@@ -26446,7 +26446,7 @@
           </a:ln>
           <a:extLst>
             <a:ext uri="{909E8E84-426E-40dd-AFC4-6F175D3DCCD1}">
-              <a14:hiddenFill xmlns:a14="http://schemas.microsoft.com/office/drawing/2010/main" xmlns="">
+              <a14:hiddenFill xmlns="" xmlns:a14="http://schemas.microsoft.com/office/drawing/2010/main">
                 <a:noFill/>
               </a14:hiddenFill>
             </a:ext>
@@ -26491,7 +26491,7 @@
           </a:ln>
           <a:extLst>
             <a:ext uri="{909E8E84-426E-40dd-AFC4-6F175D3DCCD1}">
-              <a14:hiddenFill xmlns:a14="http://schemas.microsoft.com/office/drawing/2010/main" xmlns="">
+              <a14:hiddenFill xmlns="" xmlns:a14="http://schemas.microsoft.com/office/drawing/2010/main">
                 <a:noFill/>
               </a14:hiddenFill>
             </a:ext>
@@ -26536,7 +26536,7 @@
           </a:ln>
           <a:extLst>
             <a:ext uri="{909E8E84-426E-40dd-AFC4-6F175D3DCCD1}">
-              <a14:hiddenFill xmlns:a14="http://schemas.microsoft.com/office/drawing/2010/main" xmlns="">
+              <a14:hiddenFill xmlns="" xmlns:a14="http://schemas.microsoft.com/office/drawing/2010/main">
                 <a:noFill/>
               </a14:hiddenFill>
             </a:ext>
@@ -26581,7 +26581,7 @@
           </a:ln>
           <a:extLst>
             <a:ext uri="{909E8E84-426E-40dd-AFC4-6F175D3DCCD1}">
-              <a14:hiddenFill xmlns:a14="http://schemas.microsoft.com/office/drawing/2010/main" xmlns="">
+              <a14:hiddenFill xmlns="" xmlns:a14="http://schemas.microsoft.com/office/drawing/2010/main">
                 <a:noFill/>
               </a14:hiddenFill>
             </a:ext>
@@ -26626,7 +26626,7 @@
           </a:ln>
           <a:extLst>
             <a:ext uri="{909E8E84-426E-40dd-AFC4-6F175D3DCCD1}">
-              <a14:hiddenFill xmlns:a14="http://schemas.microsoft.com/office/drawing/2010/main" xmlns="">
+              <a14:hiddenFill xmlns="" xmlns:a14="http://schemas.microsoft.com/office/drawing/2010/main">
                 <a:noFill/>
               </a14:hiddenFill>
             </a:ext>
@@ -26671,7 +26671,7 @@
           </a:ln>
           <a:extLst>
             <a:ext uri="{909E8E84-426E-40dd-AFC4-6F175D3DCCD1}">
-              <a14:hiddenFill xmlns:a14="http://schemas.microsoft.com/office/drawing/2010/main" xmlns="">
+              <a14:hiddenFill xmlns="" xmlns:a14="http://schemas.microsoft.com/office/drawing/2010/main">
                 <a:noFill/>
               </a14:hiddenFill>
             </a:ext>
@@ -26716,7 +26716,7 @@
           </a:ln>
           <a:extLst>
             <a:ext uri="{909E8E84-426E-40dd-AFC4-6F175D3DCCD1}">
-              <a14:hiddenFill xmlns:a14="http://schemas.microsoft.com/office/drawing/2010/main" xmlns="">
+              <a14:hiddenFill xmlns="" xmlns:a14="http://schemas.microsoft.com/office/drawing/2010/main">
                 <a:noFill/>
               </a14:hiddenFill>
             </a:ext>
@@ -26761,7 +26761,7 @@
           </a:ln>
           <a:extLst>
             <a:ext uri="{909E8E84-426E-40dd-AFC4-6F175D3DCCD1}">
-              <a14:hiddenFill xmlns:a14="http://schemas.microsoft.com/office/drawing/2010/main" xmlns="">
+              <a14:hiddenFill xmlns="" xmlns:a14="http://schemas.microsoft.com/office/drawing/2010/main">
                 <a:noFill/>
               </a14:hiddenFill>
             </a:ext>
@@ -26806,7 +26806,7 @@
           </a:ln>
           <a:extLst>
             <a:ext uri="{909E8E84-426E-40dd-AFC4-6F175D3DCCD1}">
-              <a14:hiddenFill xmlns:a14="http://schemas.microsoft.com/office/drawing/2010/main" xmlns="">
+              <a14:hiddenFill xmlns="" xmlns:a14="http://schemas.microsoft.com/office/drawing/2010/main">
                 <a:noFill/>
               </a14:hiddenFill>
             </a:ext>
@@ -26851,7 +26851,7 @@
           </a:ln>
           <a:extLst>
             <a:ext uri="{909E8E84-426E-40dd-AFC4-6F175D3DCCD1}">
-              <a14:hiddenFill xmlns:a14="http://schemas.microsoft.com/office/drawing/2010/main" xmlns="">
+              <a14:hiddenFill xmlns="" xmlns:a14="http://schemas.microsoft.com/office/drawing/2010/main">
                 <a:noFill/>
               </a14:hiddenFill>
             </a:ext>
@@ -26896,7 +26896,7 @@
           </a:ln>
           <a:extLst>
             <a:ext uri="{909E8E84-426E-40dd-AFC4-6F175D3DCCD1}">
-              <a14:hiddenFill xmlns:a14="http://schemas.microsoft.com/office/drawing/2010/main" xmlns="">
+              <a14:hiddenFill xmlns="" xmlns:a14="http://schemas.microsoft.com/office/drawing/2010/main">
                 <a:noFill/>
               </a14:hiddenFill>
             </a:ext>
@@ -26941,7 +26941,7 @@
           </a:ln>
           <a:extLst>
             <a:ext uri="{909E8E84-426E-40dd-AFC4-6F175D3DCCD1}">
-              <a14:hiddenFill xmlns:a14="http://schemas.microsoft.com/office/drawing/2010/main" xmlns="">
+              <a14:hiddenFill xmlns="" xmlns:a14="http://schemas.microsoft.com/office/drawing/2010/main">
                 <a:noFill/>
               </a14:hiddenFill>
             </a:ext>
@@ -26986,7 +26986,7 @@
           </a:ln>
           <a:extLst>
             <a:ext uri="{909E8E84-426E-40dd-AFC4-6F175D3DCCD1}">
-              <a14:hiddenFill xmlns:a14="http://schemas.microsoft.com/office/drawing/2010/main" xmlns="">
+              <a14:hiddenFill xmlns="" xmlns:a14="http://schemas.microsoft.com/office/drawing/2010/main">
                 <a:noFill/>
               </a14:hiddenFill>
             </a:ext>
@@ -27031,7 +27031,7 @@
           </a:ln>
           <a:extLst>
             <a:ext uri="{909E8E84-426E-40dd-AFC4-6F175D3DCCD1}">
-              <a14:hiddenFill xmlns:a14="http://schemas.microsoft.com/office/drawing/2010/main" xmlns="">
+              <a14:hiddenFill xmlns="" xmlns:a14="http://schemas.microsoft.com/office/drawing/2010/main">
                 <a:noFill/>
               </a14:hiddenFill>
             </a:ext>
@@ -27076,7 +27076,7 @@
           </a:ln>
           <a:extLst>
             <a:ext uri="{909E8E84-426E-40dd-AFC4-6F175D3DCCD1}">
-              <a14:hiddenFill xmlns:a14="http://schemas.microsoft.com/office/drawing/2010/main" xmlns="">
+              <a14:hiddenFill xmlns="" xmlns:a14="http://schemas.microsoft.com/office/drawing/2010/main">
                 <a:noFill/>
               </a14:hiddenFill>
             </a:ext>
@@ -27116,14 +27116,14 @@
           </a:ln>
           <a:extLst>
             <a:ext uri="{909E8E84-426E-40dd-AFC4-6F175D3DCCD1}">
-              <a14:hiddenFill xmlns:a14="http://schemas.microsoft.com/office/drawing/2010/main" xmlns="">
+              <a14:hiddenFill xmlns="" xmlns:a14="http://schemas.microsoft.com/office/drawing/2010/main">
                 <a:solidFill>
                   <a:srgbClr val="FFFFFF"/>
                 </a:solidFill>
               </a14:hiddenFill>
             </a:ext>
             <a:ext uri="{91240B29-F687-4f45-9708-019B960494DF}">
-              <a14:hiddenLine xmlns:a14="http://schemas.microsoft.com/office/drawing/2010/main" xmlns="" w="9525">
+              <a14:hiddenLine xmlns="" xmlns:a14="http://schemas.microsoft.com/office/drawing/2010/main" w="9525">
                 <a:solidFill>
                   <a:srgbClr val="000000"/>
                 </a:solidFill>
@@ -27305,7 +27305,7 @@
           </a:ln>
           <a:extLst>
             <a:ext uri="{909E8E84-426E-40dd-AFC4-6F175D3DCCD1}">
-              <a14:hiddenFill xmlns:a14="http://schemas.microsoft.com/office/drawing/2010/main" xmlns="">
+              <a14:hiddenFill xmlns="" xmlns:a14="http://schemas.microsoft.com/office/drawing/2010/main">
                 <a:noFill/>
               </a14:hiddenFill>
             </a:ext>
@@ -27350,7 +27350,7 @@
           </a:ln>
           <a:extLst>
             <a:ext uri="{909E8E84-426E-40dd-AFC4-6F175D3DCCD1}">
-              <a14:hiddenFill xmlns:a14="http://schemas.microsoft.com/office/drawing/2010/main" xmlns="">
+              <a14:hiddenFill xmlns="" xmlns:a14="http://schemas.microsoft.com/office/drawing/2010/main">
                 <a:noFill/>
               </a14:hiddenFill>
             </a:ext>
@@ -27395,7 +27395,7 @@
           </a:ln>
           <a:extLst>
             <a:ext uri="{909E8E84-426E-40dd-AFC4-6F175D3DCCD1}">
-              <a14:hiddenFill xmlns:a14="http://schemas.microsoft.com/office/drawing/2010/main" xmlns="">
+              <a14:hiddenFill xmlns="" xmlns:a14="http://schemas.microsoft.com/office/drawing/2010/main">
                 <a:noFill/>
               </a14:hiddenFill>
             </a:ext>
@@ -27435,14 +27435,14 @@
           </a:ln>
           <a:extLst>
             <a:ext uri="{909E8E84-426E-40dd-AFC4-6F175D3DCCD1}">
-              <a14:hiddenFill xmlns:a14="http://schemas.microsoft.com/office/drawing/2010/main" xmlns="">
+              <a14:hiddenFill xmlns="" xmlns:a14="http://schemas.microsoft.com/office/drawing/2010/main">
                 <a:solidFill>
                   <a:srgbClr val="FFFFFF"/>
                 </a:solidFill>
               </a14:hiddenFill>
             </a:ext>
             <a:ext uri="{91240B29-F687-4f45-9708-019B960494DF}">
-              <a14:hiddenLine xmlns:a14="http://schemas.microsoft.com/office/drawing/2010/main" xmlns="" w="19050">
+              <a14:hiddenLine xmlns="" xmlns:a14="http://schemas.microsoft.com/office/drawing/2010/main" w="19050">
                 <a:solidFill>
                   <a:srgbClr val="000000"/>
                 </a:solidFill>
@@ -27628,14 +27628,14 @@
           </a:ln>
           <a:extLst>
             <a:ext uri="{909E8E84-426E-40dd-AFC4-6F175D3DCCD1}">
-              <a14:hiddenFill xmlns:a14="http://schemas.microsoft.com/office/drawing/2010/main" xmlns="">
+              <a14:hiddenFill xmlns="" xmlns:a14="http://schemas.microsoft.com/office/drawing/2010/main">
                 <a:solidFill>
                   <a:srgbClr val="FFFFFF"/>
                 </a:solidFill>
               </a14:hiddenFill>
             </a:ext>
             <a:ext uri="{91240B29-F687-4f45-9708-019B960494DF}">
-              <a14:hiddenLine xmlns:a14="http://schemas.microsoft.com/office/drawing/2010/main" xmlns="" w="19050">
+              <a14:hiddenLine xmlns="" xmlns:a14="http://schemas.microsoft.com/office/drawing/2010/main" w="19050">
                 <a:solidFill>
                   <a:srgbClr val="000000"/>
                 </a:solidFill>
@@ -27821,7 +27821,7 @@
           </a:ln>
           <a:extLst>
             <a:ext uri="{909E8E84-426E-40dd-AFC4-6F175D3DCCD1}">
-              <a14:hiddenFill xmlns:a14="http://schemas.microsoft.com/office/drawing/2010/main" xmlns="">
+              <a14:hiddenFill xmlns="" xmlns:a14="http://schemas.microsoft.com/office/drawing/2010/main">
                 <a:noFill/>
               </a14:hiddenFill>
             </a:ext>
@@ -27870,7 +27870,7 @@
           </a:ln>
           <a:extLst>
             <a:ext uri="{909E8E84-426E-40dd-AFC4-6F175D3DCCD1}">
-              <a14:hiddenFill xmlns:a14="http://schemas.microsoft.com/office/drawing/2010/main" xmlns="">
+              <a14:hiddenFill xmlns="" xmlns:a14="http://schemas.microsoft.com/office/drawing/2010/main">
                 <a:noFill/>
               </a14:hiddenFill>
             </a:ext>
